--- a/Создание архиватора по алгоритму Хаффмана.pptx
+++ b/Создание архиватора по алгоритму Хаффмана.pptx
@@ -17,9 +17,12 @@
     <p:sldId id="264" r:id="rId11"/>
     <p:sldId id="265" r:id="rId12"/>
     <p:sldId id="268" r:id="rId13"/>
-    <p:sldId id="262" r:id="rId14"/>
-    <p:sldId id="269" r:id="rId15"/>
-    <p:sldId id="270" r:id="rId16"/>
+    <p:sldId id="277" r:id="rId14"/>
+    <p:sldId id="262" r:id="rId15"/>
+    <p:sldId id="273" r:id="rId16"/>
+    <p:sldId id="274" r:id="rId17"/>
+    <p:sldId id="276" r:id="rId18"/>
+    <p:sldId id="270" r:id="rId19"/>
   </p:sldIdLst>
   <p:sldSz cx="12192000" cy="6858000"/>
   <p:notesSz cx="6858000" cy="9144000"/>
@@ -118,6 +121,11 @@
       </a:defRPr>
     </a:lvl9pPr>
   </p:defaultTextStyle>
+  <p:extLst>
+    <p:ext uri="{EFAFB233-063F-42B5-8137-9DF3F51BA10A}">
+      <p15:sldGuideLst xmlns:p15="http://schemas.microsoft.com/office/powerpoint/2012/main"/>
+    </p:ext>
+  </p:extLst>
 </p:presentation>
 </file>
 
@@ -1423,7 +1431,7 @@
           </a:lstStyle>
           <a:p>
             <a:r>
-              <a:rPr lang="ru-RU" smtClean="0"/>
+              <a:rPr lang="ru-RU"/>
               <a:t>Образец заголовка</a:t>
             </a:r>
             <a:endParaRPr lang="en-US" dirty="0"/>
@@ -1497,7 +1505,7 @@
           </a:lstStyle>
           <a:p>
             <a:r>
-              <a:rPr lang="ru-RU" smtClean="0"/>
+              <a:rPr lang="ru-RU"/>
               <a:t>Образец подзаголовка</a:t>
             </a:r>
             <a:endParaRPr lang="en-US" dirty="0"/>
@@ -2908,7 +2916,7 @@
           </a:lstStyle>
           <a:p>
             <a:r>
-              <a:rPr lang="ru-RU" smtClean="0"/>
+              <a:rPr lang="ru-RU"/>
               <a:t>Образец заголовка</a:t>
             </a:r>
             <a:endParaRPr lang="en-US" dirty="0"/>
@@ -2937,35 +2945,35 @@
           <a:p>
             <a:pPr lvl="0"/>
             <a:r>
-              <a:rPr lang="ru-RU" smtClean="0"/>
+              <a:rPr lang="ru-RU"/>
               <a:t>Образец текста</a:t>
             </a:r>
           </a:p>
           <a:p>
             <a:pPr lvl="1"/>
             <a:r>
-              <a:rPr lang="ru-RU" smtClean="0"/>
+              <a:rPr lang="ru-RU"/>
               <a:t>Второй уровень</a:t>
             </a:r>
           </a:p>
           <a:p>
             <a:pPr lvl="2"/>
             <a:r>
-              <a:rPr lang="ru-RU" smtClean="0"/>
+              <a:rPr lang="ru-RU"/>
               <a:t>Третий уровень</a:t>
             </a:r>
           </a:p>
           <a:p>
             <a:pPr lvl="3"/>
             <a:r>
-              <a:rPr lang="ru-RU" smtClean="0"/>
+              <a:rPr lang="ru-RU"/>
               <a:t>Четвертый уровень</a:t>
             </a:r>
           </a:p>
           <a:p>
             <a:pPr lvl="4"/>
             <a:r>
-              <a:rPr lang="ru-RU" smtClean="0"/>
+              <a:rPr lang="ru-RU"/>
               <a:t>Пятый уровень</a:t>
             </a:r>
             <a:endParaRPr lang="en-US" dirty="0"/>
@@ -4356,7 +4364,7 @@
           </a:lstStyle>
           <a:p>
             <a:r>
-              <a:rPr lang="ru-RU" smtClean="0"/>
+              <a:rPr lang="ru-RU"/>
               <a:t>Образец заголовка</a:t>
             </a:r>
             <a:endParaRPr lang="en-US" dirty="0"/>
@@ -4385,35 +4393,35 @@
           <a:p>
             <a:pPr lvl="0"/>
             <a:r>
-              <a:rPr lang="ru-RU" smtClean="0"/>
+              <a:rPr lang="ru-RU"/>
               <a:t>Образец текста</a:t>
             </a:r>
           </a:p>
           <a:p>
             <a:pPr lvl="1"/>
             <a:r>
-              <a:rPr lang="ru-RU" smtClean="0"/>
+              <a:rPr lang="ru-RU"/>
               <a:t>Второй уровень</a:t>
             </a:r>
           </a:p>
           <a:p>
             <a:pPr lvl="2"/>
             <a:r>
-              <a:rPr lang="ru-RU" smtClean="0"/>
+              <a:rPr lang="ru-RU"/>
               <a:t>Третий уровень</a:t>
             </a:r>
           </a:p>
           <a:p>
             <a:pPr lvl="3"/>
             <a:r>
-              <a:rPr lang="ru-RU" smtClean="0"/>
+              <a:rPr lang="ru-RU"/>
               <a:t>Четвертый уровень</a:t>
             </a:r>
           </a:p>
           <a:p>
             <a:pPr lvl="4"/>
             <a:r>
-              <a:rPr lang="ru-RU" smtClean="0"/>
+              <a:rPr lang="ru-RU"/>
               <a:t>Пятый уровень</a:t>
             </a:r>
             <a:endParaRPr lang="en-US" dirty="0"/>
@@ -5816,7 +5824,7 @@
           </a:lstStyle>
           <a:p>
             <a:r>
-              <a:rPr lang="ru-RU" smtClean="0"/>
+              <a:rPr lang="ru-RU"/>
               <a:t>Образец заголовка</a:t>
             </a:r>
             <a:endParaRPr lang="en-US" dirty="0"/>
@@ -5845,35 +5853,35 @@
           <a:p>
             <a:pPr lvl="0"/>
             <a:r>
-              <a:rPr lang="ru-RU" smtClean="0"/>
+              <a:rPr lang="ru-RU"/>
               <a:t>Образец текста</a:t>
             </a:r>
           </a:p>
           <a:p>
             <a:pPr lvl="1"/>
             <a:r>
-              <a:rPr lang="ru-RU" smtClean="0"/>
+              <a:rPr lang="ru-RU"/>
               <a:t>Второй уровень</a:t>
             </a:r>
           </a:p>
           <a:p>
             <a:pPr lvl="2"/>
             <a:r>
-              <a:rPr lang="ru-RU" smtClean="0"/>
+              <a:rPr lang="ru-RU"/>
               <a:t>Третий уровень</a:t>
             </a:r>
           </a:p>
           <a:p>
             <a:pPr lvl="3"/>
             <a:r>
-              <a:rPr lang="ru-RU" smtClean="0"/>
+              <a:rPr lang="ru-RU"/>
               <a:t>Четвертый уровень</a:t>
             </a:r>
           </a:p>
           <a:p>
             <a:pPr lvl="4"/>
             <a:r>
-              <a:rPr lang="ru-RU" smtClean="0"/>
+              <a:rPr lang="ru-RU"/>
               <a:t>Пятый уровень</a:t>
             </a:r>
             <a:endParaRPr lang="en-US" dirty="0"/>
@@ -7257,7 +7265,7 @@
           </a:lstStyle>
           <a:p>
             <a:r>
-              <a:rPr lang="ru-RU" smtClean="0"/>
+              <a:rPr lang="ru-RU"/>
               <a:t>Образец заголовка</a:t>
             </a:r>
             <a:endParaRPr lang="en-US" dirty="0"/>
@@ -7377,7 +7385,7 @@
           <a:p>
             <a:pPr lvl="0"/>
             <a:r>
-              <a:rPr lang="ru-RU" smtClean="0"/>
+              <a:rPr lang="ru-RU"/>
               <a:t>Образец текста</a:t>
             </a:r>
           </a:p>
@@ -8783,7 +8791,7 @@
           </a:lstStyle>
           <a:p>
             <a:r>
-              <a:rPr lang="ru-RU" smtClean="0"/>
+              <a:rPr lang="ru-RU"/>
               <a:t>Образец заголовка</a:t>
             </a:r>
             <a:endParaRPr lang="en-US" dirty="0"/>
@@ -8812,35 +8820,35 @@
           <a:p>
             <a:pPr lvl="0"/>
             <a:r>
-              <a:rPr lang="ru-RU" smtClean="0"/>
+              <a:rPr lang="ru-RU"/>
               <a:t>Образец текста</a:t>
             </a:r>
           </a:p>
           <a:p>
             <a:pPr lvl="1"/>
             <a:r>
-              <a:rPr lang="ru-RU" smtClean="0"/>
+              <a:rPr lang="ru-RU"/>
               <a:t>Второй уровень</a:t>
             </a:r>
           </a:p>
           <a:p>
             <a:pPr lvl="2"/>
             <a:r>
-              <a:rPr lang="ru-RU" smtClean="0"/>
+              <a:rPr lang="ru-RU"/>
               <a:t>Третий уровень</a:t>
             </a:r>
           </a:p>
           <a:p>
             <a:pPr lvl="3"/>
             <a:r>
-              <a:rPr lang="ru-RU" smtClean="0"/>
+              <a:rPr lang="ru-RU"/>
               <a:t>Четвертый уровень</a:t>
             </a:r>
           </a:p>
           <a:p>
             <a:pPr lvl="4"/>
             <a:r>
-              <a:rPr lang="ru-RU" smtClean="0"/>
+              <a:rPr lang="ru-RU"/>
               <a:t>Пятый уровень</a:t>
             </a:r>
             <a:endParaRPr lang="en-US" dirty="0"/>
@@ -8869,35 +8877,35 @@
           <a:p>
             <a:pPr lvl="0"/>
             <a:r>
-              <a:rPr lang="ru-RU" smtClean="0"/>
+              <a:rPr lang="ru-RU"/>
               <a:t>Образец текста</a:t>
             </a:r>
           </a:p>
           <a:p>
             <a:pPr lvl="1"/>
             <a:r>
-              <a:rPr lang="ru-RU" smtClean="0"/>
+              <a:rPr lang="ru-RU"/>
               <a:t>Второй уровень</a:t>
             </a:r>
           </a:p>
           <a:p>
             <a:pPr lvl="2"/>
             <a:r>
-              <a:rPr lang="ru-RU" smtClean="0"/>
+              <a:rPr lang="ru-RU"/>
               <a:t>Третий уровень</a:t>
             </a:r>
           </a:p>
           <a:p>
             <a:pPr lvl="3"/>
             <a:r>
-              <a:rPr lang="ru-RU" smtClean="0"/>
+              <a:rPr lang="ru-RU"/>
               <a:t>Четвертый уровень</a:t>
             </a:r>
           </a:p>
           <a:p>
             <a:pPr lvl="4"/>
             <a:r>
-              <a:rPr lang="ru-RU" smtClean="0"/>
+              <a:rPr lang="ru-RU"/>
               <a:t>Пятый уровень</a:t>
             </a:r>
             <a:endParaRPr lang="en-US" dirty="0"/>
@@ -10300,7 +10308,7 @@
           </a:lstStyle>
           <a:p>
             <a:r>
-              <a:rPr lang="ru-RU" smtClean="0"/>
+              <a:rPr lang="ru-RU"/>
               <a:t>Образец заголовка</a:t>
             </a:r>
             <a:endParaRPr lang="en-US" dirty="0"/>
@@ -10375,7 +10383,7 @@
           <a:p>
             <a:pPr lvl="0"/>
             <a:r>
-              <a:rPr lang="ru-RU" smtClean="0"/>
+              <a:rPr lang="ru-RU"/>
               <a:t>Образец текста</a:t>
             </a:r>
           </a:p>
@@ -10403,35 +10411,35 @@
           <a:p>
             <a:pPr lvl="0"/>
             <a:r>
-              <a:rPr lang="ru-RU" smtClean="0"/>
+              <a:rPr lang="ru-RU"/>
               <a:t>Образец текста</a:t>
             </a:r>
           </a:p>
           <a:p>
             <a:pPr lvl="1"/>
             <a:r>
-              <a:rPr lang="ru-RU" smtClean="0"/>
+              <a:rPr lang="ru-RU"/>
               <a:t>Второй уровень</a:t>
             </a:r>
           </a:p>
           <a:p>
             <a:pPr lvl="2"/>
             <a:r>
-              <a:rPr lang="ru-RU" smtClean="0"/>
+              <a:rPr lang="ru-RU"/>
               <a:t>Третий уровень</a:t>
             </a:r>
           </a:p>
           <a:p>
             <a:pPr lvl="3"/>
             <a:r>
-              <a:rPr lang="ru-RU" smtClean="0"/>
+              <a:rPr lang="ru-RU"/>
               <a:t>Четвертый уровень</a:t>
             </a:r>
           </a:p>
           <a:p>
             <a:pPr lvl="4"/>
             <a:r>
-              <a:rPr lang="ru-RU" smtClean="0"/>
+              <a:rPr lang="ru-RU"/>
               <a:t>Пятый уровень</a:t>
             </a:r>
             <a:endParaRPr lang="en-US" dirty="0"/>
@@ -10506,7 +10514,7 @@
           <a:p>
             <a:pPr lvl="0"/>
             <a:r>
-              <a:rPr lang="ru-RU" smtClean="0"/>
+              <a:rPr lang="ru-RU"/>
               <a:t>Образец текста</a:t>
             </a:r>
           </a:p>
@@ -10534,35 +10542,35 @@
           <a:p>
             <a:pPr lvl="0"/>
             <a:r>
-              <a:rPr lang="ru-RU" smtClean="0"/>
+              <a:rPr lang="ru-RU"/>
               <a:t>Образец текста</a:t>
             </a:r>
           </a:p>
           <a:p>
             <a:pPr lvl="1"/>
             <a:r>
-              <a:rPr lang="ru-RU" smtClean="0"/>
+              <a:rPr lang="ru-RU"/>
               <a:t>Второй уровень</a:t>
             </a:r>
           </a:p>
           <a:p>
             <a:pPr lvl="2"/>
             <a:r>
-              <a:rPr lang="ru-RU" smtClean="0"/>
+              <a:rPr lang="ru-RU"/>
               <a:t>Третий уровень</a:t>
             </a:r>
           </a:p>
           <a:p>
             <a:pPr lvl="3"/>
             <a:r>
-              <a:rPr lang="ru-RU" smtClean="0"/>
+              <a:rPr lang="ru-RU"/>
               <a:t>Четвертый уровень</a:t>
             </a:r>
           </a:p>
           <a:p>
             <a:pPr lvl="4"/>
             <a:r>
-              <a:rPr lang="ru-RU" smtClean="0"/>
+              <a:rPr lang="ru-RU"/>
               <a:t>Пятый уровень</a:t>
             </a:r>
             <a:endParaRPr lang="en-US" dirty="0"/>
@@ -11965,7 +11973,7 @@
           </a:lstStyle>
           <a:p>
             <a:r>
-              <a:rPr lang="ru-RU" smtClean="0"/>
+              <a:rPr lang="ru-RU"/>
               <a:t>Образец заголовка</a:t>
             </a:r>
             <a:endParaRPr lang="en-US" dirty="0"/>
@@ -13465,7 +13473,7 @@
           </a:lstStyle>
           <a:p>
             <a:r>
-              <a:rPr lang="ru-RU" smtClean="0"/>
+              <a:rPr lang="ru-RU"/>
               <a:t>Образец заголовка</a:t>
             </a:r>
             <a:endParaRPr lang="en-US" dirty="0"/>
@@ -13494,35 +13502,35 @@
           <a:p>
             <a:pPr lvl="0"/>
             <a:r>
-              <a:rPr lang="ru-RU" smtClean="0"/>
+              <a:rPr lang="ru-RU"/>
               <a:t>Образец текста</a:t>
             </a:r>
           </a:p>
           <a:p>
             <a:pPr lvl="1"/>
             <a:r>
-              <a:rPr lang="ru-RU" smtClean="0"/>
+              <a:rPr lang="ru-RU"/>
               <a:t>Второй уровень</a:t>
             </a:r>
           </a:p>
           <a:p>
             <a:pPr lvl="2"/>
             <a:r>
-              <a:rPr lang="ru-RU" smtClean="0"/>
+              <a:rPr lang="ru-RU"/>
               <a:t>Третий уровень</a:t>
             </a:r>
           </a:p>
           <a:p>
             <a:pPr lvl="3"/>
             <a:r>
-              <a:rPr lang="ru-RU" smtClean="0"/>
+              <a:rPr lang="ru-RU"/>
               <a:t>Четвертый уровень</a:t>
             </a:r>
           </a:p>
           <a:p>
             <a:pPr lvl="4"/>
             <a:r>
-              <a:rPr lang="ru-RU" smtClean="0"/>
+              <a:rPr lang="ru-RU"/>
               <a:t>Пятый уровень</a:t>
             </a:r>
             <a:endParaRPr lang="en-US" dirty="0"/>
@@ -13592,7 +13600,7 @@
           <a:p>
             <a:pPr lvl="0"/>
             <a:r>
-              <a:rPr lang="ru-RU" smtClean="0"/>
+              <a:rPr lang="ru-RU"/>
               <a:t>Образец текста</a:t>
             </a:r>
           </a:p>
@@ -15013,7 +15021,7 @@
           </a:lstStyle>
           <a:p>
             <a:r>
-              <a:rPr lang="ru-RU" smtClean="0"/>
+              <a:rPr lang="ru-RU"/>
               <a:t>Вставка рисунка</a:t>
             </a:r>
             <a:endParaRPr lang="en-US" dirty="0"/>
@@ -15051,7 +15059,7 @@
           </a:lstStyle>
           <a:p>
             <a:r>
-              <a:rPr lang="ru-RU" smtClean="0"/>
+              <a:rPr lang="ru-RU"/>
               <a:t>Образец заголовка</a:t>
             </a:r>
             <a:endParaRPr lang="en-US" dirty="0"/>
@@ -15123,7 +15131,7 @@
           <a:p>
             <a:pPr lvl="0"/>
             <a:r>
-              <a:rPr lang="ru-RU" smtClean="0"/>
+              <a:rPr lang="ru-RU"/>
               <a:t>Образец текста</a:t>
             </a:r>
           </a:p>
@@ -15270,7 +15278,7 @@
           <a:lstStyle/>
           <a:p>
             <a:r>
-              <a:rPr lang="ru-RU" smtClean="0"/>
+              <a:rPr lang="ru-RU"/>
               <a:t>Образец заголовка</a:t>
             </a:r>
             <a:endParaRPr lang="en-US" dirty="0"/>
@@ -15870,10 +15878,9 @@
           <a:lstStyle/>
           <a:p>
             <a:r>
-              <a:rPr lang="ru-RU" sz="6600" dirty="0" smtClean="0"/>
+              <a:rPr lang="ru-RU" sz="6600" dirty="0"/>
               <a:t>Создание архиватора по алгоритму Хаффмана</a:t>
             </a:r>
-            <a:endParaRPr lang="ru-RU" sz="6600" dirty="0"/>
           </a:p>
         </p:txBody>
       </p:sp>
@@ -15895,16 +15902,15 @@
           <a:lstStyle/>
           <a:p>
             <a:r>
-              <a:rPr lang="ru-RU" sz="2400" dirty="0" smtClean="0"/>
+              <a:rPr lang="ru-RU" sz="2400" dirty="0"/>
               <a:t>Подготовила: Мастерская №16</a:t>
             </a:r>
           </a:p>
           <a:p>
             <a:r>
-              <a:rPr lang="ru-RU" sz="2400" dirty="0" smtClean="0"/>
+              <a:rPr lang="ru-RU" sz="2400" dirty="0"/>
               <a:t>«Мечтают ли деревья о кодировках»</a:t>
             </a:r>
-            <a:endParaRPr lang="ru-RU" sz="2400" dirty="0"/>
           </a:p>
         </p:txBody>
       </p:sp>
@@ -15918,13 +15924,6 @@
   <p:clrMapOvr>
     <a:masterClrMapping/>
   </p:clrMapOvr>
-  <p:timing>
-    <p:tnLst>
-      <p:par>
-        <p:cTn id="1" dur="indefinite" restart="never" nodeType="tmRoot"/>
-      </p:par>
-    </p:tnLst>
-  </p:timing>
 </p:sld>
 </file>
 
@@ -15963,10 +15962,9 @@
           <a:lstStyle/>
           <a:p>
             <a:r>
-              <a:rPr lang="ru-RU" sz="6000" dirty="0" smtClean="0"/>
+              <a:rPr lang="ru-RU" sz="6000" dirty="0"/>
               <a:t>Дерево</a:t>
             </a:r>
-            <a:endParaRPr lang="ru-RU" sz="6000" dirty="0"/>
           </a:p>
         </p:txBody>
       </p:sp>
@@ -15996,10 +15994,9 @@
               <a:buNone/>
             </a:pPr>
             <a:r>
-              <a:rPr lang="ru-RU" sz="3200" dirty="0" smtClean="0"/>
+              <a:rPr lang="ru-RU" sz="3200" dirty="0"/>
               <a:t>Делаем так со всеми частотами (узлами дерева)</a:t>
             </a:r>
-            <a:endParaRPr lang="ru-RU" sz="3200" dirty="0"/>
           </a:p>
         </p:txBody>
       </p:sp>
@@ -16044,14 +16041,13 @@
               <a:t>ш</a:t>
             </a:r>
             <a:r>
-              <a:rPr lang="en-US" dirty="0" smtClean="0"/>
+              <a:rPr lang="en-US" dirty="0"/>
               <a:t> </a:t>
             </a:r>
             <a:r>
-              <a:rPr lang="ru-RU" dirty="0" smtClean="0"/>
+              <a:rPr lang="ru-RU" dirty="0"/>
               <a:t>2</a:t>
             </a:r>
-            <a:endParaRPr lang="ru-RU" dirty="0"/>
           </a:p>
         </p:txBody>
       </p:sp>
@@ -16206,10 +16202,9 @@
           <a:lstStyle/>
           <a:p>
             <a:r>
-              <a:rPr lang="ru-RU" dirty="0" smtClean="0"/>
+              <a:rPr lang="ru-RU" dirty="0"/>
               <a:t>0</a:t>
             </a:r>
-            <a:endParaRPr lang="ru-RU" dirty="0"/>
           </a:p>
         </p:txBody>
       </p:sp>
@@ -16236,10 +16231,9 @@
           <a:lstStyle/>
           <a:p>
             <a:r>
-              <a:rPr lang="ru-RU" dirty="0" smtClean="0"/>
+              <a:rPr lang="ru-RU" dirty="0"/>
               <a:t>1</a:t>
             </a:r>
-            <a:endParaRPr lang="ru-RU" dirty="0"/>
           </a:p>
         </p:txBody>
       </p:sp>
@@ -16266,10 +16260,9 @@
           <a:lstStyle/>
           <a:p>
             <a:r>
-              <a:rPr lang="ru-RU" dirty="0" smtClean="0"/>
+              <a:rPr lang="ru-RU" dirty="0"/>
               <a:t>0</a:t>
             </a:r>
-            <a:endParaRPr lang="ru-RU" dirty="0"/>
           </a:p>
         </p:txBody>
       </p:sp>
@@ -16296,10 +16289,9 @@
           <a:lstStyle/>
           <a:p>
             <a:r>
-              <a:rPr lang="ru-RU" dirty="0" smtClean="0"/>
+              <a:rPr lang="ru-RU" dirty="0"/>
               <a:t>1</a:t>
             </a:r>
-            <a:endParaRPr lang="ru-RU" dirty="0"/>
           </a:p>
         </p:txBody>
       </p:sp>
@@ -16340,10 +16332,9 @@
           <a:p>
             <a:pPr algn="ctr"/>
             <a:r>
-              <a:rPr lang="ru-RU" dirty="0" smtClean="0"/>
+              <a:rPr lang="ru-RU" dirty="0"/>
               <a:t>Л 1</a:t>
             </a:r>
-            <a:endParaRPr lang="ru-RU" dirty="0"/>
           </a:p>
         </p:txBody>
       </p:sp>
@@ -16388,14 +16379,13 @@
               <a:t>а</a:t>
             </a:r>
             <a:r>
-              <a:rPr lang="en-US" dirty="0" smtClean="0"/>
+              <a:rPr lang="en-US" dirty="0"/>
               <a:t> </a:t>
             </a:r>
             <a:r>
-              <a:rPr lang="ru-RU" dirty="0" smtClean="0"/>
+              <a:rPr lang="ru-RU" dirty="0"/>
               <a:t>2</a:t>
             </a:r>
-            <a:endParaRPr lang="ru-RU" dirty="0"/>
           </a:p>
         </p:txBody>
       </p:sp>
@@ -16495,13 +16485,6 @@
   <p:clrMapOvr>
     <a:masterClrMapping/>
   </p:clrMapOvr>
-  <p:timing>
-    <p:tnLst>
-      <p:par>
-        <p:cTn id="1" dur="indefinite" restart="never" nodeType="tmRoot"/>
-      </p:par>
-    </p:tnLst>
-  </p:timing>
 </p:sld>
 </file>
 
@@ -16540,10 +16523,9 @@
           <a:lstStyle/>
           <a:p>
             <a:r>
-              <a:rPr lang="ru-RU" sz="5400" dirty="0" smtClean="0"/>
+              <a:rPr lang="ru-RU" sz="5400" dirty="0"/>
               <a:t>Код каждой буквы</a:t>
             </a:r>
-            <a:endParaRPr lang="ru-RU" sz="5400" dirty="0"/>
           </a:p>
         </p:txBody>
       </p:sp>
@@ -16563,22 +16545,21 @@
           <a:lstStyle/>
           <a:p>
             <a:r>
-              <a:rPr lang="ru-RU" sz="3200" dirty="0" smtClean="0"/>
+              <a:rPr lang="ru-RU" sz="3200" dirty="0"/>
               <a:t>Буква «Ш» - 00;</a:t>
             </a:r>
           </a:p>
           <a:p>
             <a:r>
-              <a:rPr lang="ru-RU" sz="3200" dirty="0" smtClean="0"/>
+              <a:rPr lang="ru-RU" sz="3200" dirty="0"/>
               <a:t>Буква «А» -  1;</a:t>
             </a:r>
           </a:p>
           <a:p>
             <a:r>
-              <a:rPr lang="ru-RU" sz="3200" dirty="0" smtClean="0"/>
+              <a:rPr lang="ru-RU" sz="3200" dirty="0"/>
               <a:t>Буква «Л» - 01;</a:t>
             </a:r>
-            <a:endParaRPr lang="ru-RU" sz="3200" dirty="0"/>
           </a:p>
           <a:p>
             <a:endParaRPr lang="ru-RU" dirty="0"/>
@@ -16598,13 +16579,6 @@
   <p:clrMapOvr>
     <a:masterClrMapping/>
   </p:clrMapOvr>
-  <p:timing>
-    <p:tnLst>
-      <p:par>
-        <p:cTn id="1" dur="indefinite" restart="never" nodeType="tmRoot"/>
-      </p:par>
-    </p:tnLst>
-  </p:timing>
 </p:sld>
 </file>
 
@@ -16643,10 +16617,9 @@
           <a:lstStyle/>
           <a:p>
             <a:r>
-              <a:rPr lang="ru-RU" sz="5400" dirty="0" smtClean="0"/>
+              <a:rPr lang="ru-RU" sz="5400" dirty="0"/>
               <a:t>Код текста</a:t>
             </a:r>
-            <a:endParaRPr lang="ru-RU" sz="5400" dirty="0"/>
           </a:p>
         </p:txBody>
       </p:sp>
@@ -16668,10 +16641,9 @@
           <a:lstStyle/>
           <a:p>
             <a:r>
-              <a:rPr lang="ru-RU" sz="3200" dirty="0" smtClean="0"/>
+              <a:rPr lang="ru-RU" sz="3200" dirty="0"/>
               <a:t>Таким образом, наше слово кодируется как – «00101100»</a:t>
             </a:r>
-            <a:endParaRPr lang="ru-RU" sz="3200" dirty="0"/>
           </a:p>
         </p:txBody>
       </p:sp>
@@ -16685,17 +16657,184 @@
   <p:clrMapOvr>
     <a:masterClrMapping/>
   </p:clrMapOvr>
-  <p:timing>
-    <p:tnLst>
-      <p:par>
-        <p:cTn id="1" dur="indefinite" restart="never" nodeType="tmRoot"/>
-      </p:par>
-    </p:tnLst>
-  </p:timing>
 </p:sld>
 </file>
 
 <file path=ppt/slides/slide13.xml><?xml version="1.0" encoding="utf-8"?>
+<p:sld xmlns:a="http://schemas.openxmlformats.org/drawingml/2006/main" xmlns:r="http://schemas.openxmlformats.org/officeDocument/2006/relationships" xmlns:p="http://schemas.openxmlformats.org/presentationml/2006/main">
+  <p:cSld>
+    <p:spTree>
+      <p:nvGrpSpPr>
+        <p:cNvPr id="1" name=""/>
+        <p:cNvGrpSpPr/>
+        <p:nvPr/>
+      </p:nvGrpSpPr>
+      <p:grpSpPr>
+        <a:xfrm>
+          <a:off x="0" y="0"/>
+          <a:ext cx="0" cy="0"/>
+          <a:chOff x="0" y="0"/>
+          <a:chExt cx="0" cy="0"/>
+        </a:xfrm>
+      </p:grpSpPr>
+      <p:sp>
+        <p:nvSpPr>
+          <p:cNvPr id="2" name="Заголовок 1">
+            <a:extLst>
+              <a:ext uri="{FF2B5EF4-FFF2-40B4-BE49-F238E27FC236}">
+                <a16:creationId xmlns:a16="http://schemas.microsoft.com/office/drawing/2014/main" id="{4620F265-698D-4FA2-A581-80BC9AFEB20D}"/>
+              </a:ext>
+            </a:extLst>
+          </p:cNvPr>
+          <p:cNvSpPr>
+            <a:spLocks noGrp="1"/>
+          </p:cNvSpPr>
+          <p:nvPr>
+            <p:ph type="title"/>
+          </p:nvPr>
+        </p:nvSpPr>
+        <p:spPr>
+          <a:xfrm>
+            <a:off x="907681" y="1467036"/>
+            <a:ext cx="3498979" cy="907625"/>
+          </a:xfrm>
+        </p:spPr>
+        <p:txBody>
+          <a:bodyPr>
+            <a:normAutofit fontScale="90000"/>
+          </a:bodyPr>
+          <a:lstStyle/>
+          <a:p>
+            <a:r>
+              <a:rPr lang="ru-RU" dirty="0"/>
+              <a:t>Наши команды </a:t>
+            </a:r>
+          </a:p>
+        </p:txBody>
+      </p:sp>
+      <p:sp>
+        <p:nvSpPr>
+          <p:cNvPr id="3" name="Объект 2">
+            <a:extLst>
+              <a:ext uri="{FF2B5EF4-FFF2-40B4-BE49-F238E27FC236}">
+                <a16:creationId xmlns:a16="http://schemas.microsoft.com/office/drawing/2014/main" id="{F82C36A5-1BBC-4EE4-91B8-B84CFC5FC8B1}"/>
+              </a:ext>
+            </a:extLst>
+          </p:cNvPr>
+          <p:cNvSpPr>
+            <a:spLocks noGrp="1"/>
+          </p:cNvSpPr>
+          <p:nvPr>
+            <p:ph idx="1"/>
+          </p:nvPr>
+        </p:nvSpPr>
+        <p:spPr>
+          <a:xfrm>
+            <a:off x="1032222" y="2355520"/>
+            <a:ext cx="6281873" cy="3054589"/>
+          </a:xfrm>
+        </p:spPr>
+        <p:txBody>
+          <a:bodyPr>
+            <a:normAutofit/>
+          </a:bodyPr>
+          <a:lstStyle/>
+          <a:p>
+            <a:pPr marL="0" indent="0">
+              <a:buNone/>
+            </a:pPr>
+            <a:r>
+              <a:rPr lang="en-US" sz="4000" dirty="0"/>
+              <a:t>tm {0180</a:t>
+            </a:r>
+          </a:p>
+          <a:p>
+            <a:pPr marL="0" indent="0">
+              <a:buNone/>
+            </a:pPr>
+            <a:r>
+              <a:rPr lang="en-US" sz="4000" dirty="0"/>
+              <a:t>tm A</a:t>
+            </a:r>
+          </a:p>
+          <a:p>
+            <a:pPr marL="0" indent="0">
+              <a:buNone/>
+            </a:pPr>
+            <a:r>
+              <a:rPr lang="en-US" sz="4000" dirty="0"/>
+              <a:t>tm 13</a:t>
+            </a:r>
+          </a:p>
+          <a:p>
+            <a:pPr marL="0" indent="0">
+              <a:buNone/>
+            </a:pPr>
+            <a:endParaRPr lang="ru-RU" sz="4000" dirty="0"/>
+          </a:p>
+        </p:txBody>
+      </p:sp>
+      <p:pic>
+        <p:nvPicPr>
+          <p:cNvPr id="4098" name="Picture 2" descr="https://pp.userapi.com/c849028/v849028290/1e0459/k80EY0IdkiQ.jpg">
+            <a:extLst>
+              <a:ext uri="{FF2B5EF4-FFF2-40B4-BE49-F238E27FC236}">
+                <a16:creationId xmlns:a16="http://schemas.microsoft.com/office/drawing/2014/main" id="{18594DFC-D0FA-45C5-A033-D6BFEE4C7D8B}"/>
+              </a:ext>
+            </a:extLst>
+          </p:cNvPr>
+          <p:cNvPicPr>
+            <a:picLocks noChangeAspect="1" noChangeArrowheads="1"/>
+          </p:cNvPicPr>
+          <p:nvPr/>
+        </p:nvPicPr>
+        <p:blipFill>
+          <a:blip r:embed="rId2">
+            <a:extLst>
+              <a:ext uri="{28A0092B-C50C-407E-A947-70E740481C1C}">
+                <a14:useLocalDpi xmlns:a14="http://schemas.microsoft.com/office/drawing/2010/main" val="0"/>
+              </a:ext>
+            </a:extLst>
+          </a:blip>
+          <a:srcRect/>
+          <a:stretch>
+            <a:fillRect/>
+          </a:stretch>
+        </p:blipFill>
+        <p:spPr bwMode="auto">
+          <a:xfrm>
+            <a:off x="5369935" y="1257301"/>
+            <a:ext cx="5789843" cy="4184066"/>
+          </a:xfrm>
+          <a:prstGeom prst="rect">
+            <a:avLst/>
+          </a:prstGeom>
+          <a:noFill/>
+          <a:extLst>
+            <a:ext uri="{909E8E84-426E-40DD-AFC4-6F175D3DCCD1}">
+              <a14:hiddenFill xmlns:a14="http://schemas.microsoft.com/office/drawing/2010/main">
+                <a:solidFill>
+                  <a:srgbClr val="FFFFFF"/>
+                </a:solidFill>
+              </a14:hiddenFill>
+            </a:ext>
+          </a:extLst>
+        </p:spPr>
+      </p:pic>
+    </p:spTree>
+    <p:extLst>
+      <p:ext uri="{BB962C8B-B14F-4D97-AF65-F5344CB8AC3E}">
+        <p14:creationId xmlns:p14="http://schemas.microsoft.com/office/powerpoint/2010/main" val="388662259"/>
+      </p:ext>
+    </p:extLst>
+  </p:cSld>
+  <p:clrMapOvr>
+    <a:masterClrMapping/>
+  </p:clrMapOvr>
+</p:sld>
+</file>
+
+<file path=ppt/slides/slide14.xml><?xml version="1.0" encoding="utf-8"?>
 <p:sld xmlns:a="http://schemas.openxmlformats.org/drawingml/2006/main" xmlns:r="http://schemas.openxmlformats.org/officeDocument/2006/relationships" xmlns:p="http://schemas.openxmlformats.org/presentationml/2006/main">
   <p:cSld>
     <p:spTree>
@@ -16730,10 +16869,9 @@
           <a:lstStyle/>
           <a:p>
             <a:r>
-              <a:rPr lang="ru-RU" sz="5400" dirty="0" smtClean="0"/>
+              <a:rPr lang="ru-RU" sz="5400" dirty="0"/>
               <a:t>Наш архиватор</a:t>
             </a:r>
-            <a:endParaRPr lang="ru-RU" sz="5400" dirty="0"/>
           </a:p>
         </p:txBody>
       </p:sp>
@@ -16747,15 +16885,57 @@
             <p:ph idx="1"/>
           </p:nvPr>
         </p:nvSpPr>
-        <p:spPr/>
+        <p:spPr>
+          <a:xfrm>
+            <a:off x="4662743" y="803186"/>
+            <a:ext cx="7193280" cy="1451089"/>
+          </a:xfrm>
+        </p:spPr>
         <p:txBody>
-          <a:bodyPr/>
+          <a:bodyPr>
+            <a:normAutofit/>
+          </a:bodyPr>
           <a:lstStyle/>
           <a:p>
-            <a:endParaRPr lang="ru-RU"/>
+            <a:pPr marL="0" indent="0">
+              <a:buNone/>
+            </a:pPr>
+            <a:r>
+              <a:rPr lang="ru-RU" sz="3600" dirty="0"/>
+              <a:t>Размер файла до сжатия 46кб</a:t>
+            </a:r>
           </a:p>
         </p:txBody>
       </p:sp>
+      <p:pic>
+        <p:nvPicPr>
+          <p:cNvPr id="7" name="Рисунок 6">
+            <a:extLst>
+              <a:ext uri="{FF2B5EF4-FFF2-40B4-BE49-F238E27FC236}">
+                <a16:creationId xmlns:a16="http://schemas.microsoft.com/office/drawing/2014/main" id="{4A7031A1-96AC-46CB-863A-502CB529FC09}"/>
+              </a:ext>
+            </a:extLst>
+          </p:cNvPr>
+          <p:cNvPicPr>
+            <a:picLocks noChangeAspect="1"/>
+          </p:cNvPicPr>
+          <p:nvPr/>
+        </p:nvPicPr>
+        <p:blipFill rotWithShape="1">
+          <a:blip r:embed="rId2"/>
+          <a:srcRect b="5852"/>
+          <a:stretch/>
+        </p:blipFill>
+        <p:spPr>
+          <a:xfrm>
+            <a:off x="4499761" y="1897064"/>
+            <a:ext cx="7391556" cy="3914456"/>
+          </a:xfrm>
+          <a:prstGeom prst="rect">
+            <a:avLst/>
+          </a:prstGeom>
+        </p:spPr>
+      </p:pic>
     </p:spTree>
     <p:extLst>
       <p:ext uri="{BB962C8B-B14F-4D97-AF65-F5344CB8AC3E}">
@@ -16766,17 +16946,10 @@
   <p:clrMapOvr>
     <a:masterClrMapping/>
   </p:clrMapOvr>
-  <p:timing>
-    <p:tnLst>
-      <p:par>
-        <p:cTn id="1" dur="indefinite" restart="never" nodeType="tmRoot"/>
-      </p:par>
-    </p:tnLst>
-  </p:timing>
 </p:sld>
 </file>
 
-<file path=ppt/slides/slide14.xml><?xml version="1.0" encoding="utf-8"?>
+<file path=ppt/slides/slide15.xml><?xml version="1.0" encoding="utf-8"?>
 <p:sld xmlns:a="http://schemas.openxmlformats.org/drawingml/2006/main" xmlns:r="http://schemas.openxmlformats.org/officeDocument/2006/relationships" xmlns:p="http://schemas.openxmlformats.org/presentationml/2006/main">
   <p:cSld>
     <p:spTree>
@@ -16793,27 +16966,397 @@
           <a:chExt cx="0" cy="0"/>
         </a:xfrm>
       </p:grpSpPr>
+      <p:sp>
+        <p:nvSpPr>
+          <p:cNvPr id="2" name="Заголовок 1">
+            <a:extLst>
+              <a:ext uri="{FF2B5EF4-FFF2-40B4-BE49-F238E27FC236}">
+                <a16:creationId xmlns:a16="http://schemas.microsoft.com/office/drawing/2014/main" id="{F4DEC367-F754-4A6D-9EE7-8918C81F1E9D}"/>
+              </a:ext>
+            </a:extLst>
+          </p:cNvPr>
+          <p:cNvSpPr>
+            <a:spLocks noGrp="1"/>
+          </p:cNvSpPr>
+          <p:nvPr>
+            <p:ph type="title"/>
+          </p:nvPr>
+        </p:nvSpPr>
+        <p:spPr/>
+        <p:txBody>
+          <a:bodyPr/>
+          <a:lstStyle/>
+          <a:p>
+            <a:r>
+              <a:rPr lang="ru-RU" dirty="0"/>
+              <a:t>Наш архиватор</a:t>
+            </a:r>
+          </a:p>
+        </p:txBody>
+      </p:sp>
+      <p:sp>
+        <p:nvSpPr>
+          <p:cNvPr id="3" name="Объект 2">
+            <a:extLst>
+              <a:ext uri="{FF2B5EF4-FFF2-40B4-BE49-F238E27FC236}">
+                <a16:creationId xmlns:a16="http://schemas.microsoft.com/office/drawing/2014/main" id="{073C87DD-1A62-45B2-BBBD-58C348AF278E}"/>
+              </a:ext>
+            </a:extLst>
+          </p:cNvPr>
+          <p:cNvSpPr>
+            <a:spLocks noGrp="1"/>
+          </p:cNvSpPr>
+          <p:nvPr>
+            <p:ph idx="1"/>
+          </p:nvPr>
+        </p:nvSpPr>
+        <p:spPr>
+          <a:xfrm>
+            <a:off x="4499761" y="803186"/>
+            <a:ext cx="7391556" cy="1546739"/>
+          </a:xfrm>
+        </p:spPr>
+        <p:txBody>
+          <a:bodyPr>
+            <a:normAutofit/>
+          </a:bodyPr>
+          <a:lstStyle/>
+          <a:p>
+            <a:pPr marL="0" indent="0">
+              <a:buNone/>
+            </a:pPr>
+            <a:r>
+              <a:rPr lang="ru-RU" sz="3600" dirty="0"/>
+              <a:t>Размер файла после сжатия 26кб</a:t>
+            </a:r>
+          </a:p>
+        </p:txBody>
+      </p:sp>
+      <p:pic>
+        <p:nvPicPr>
+          <p:cNvPr id="7" name="Рисунок 6">
+            <a:extLst>
+              <a:ext uri="{FF2B5EF4-FFF2-40B4-BE49-F238E27FC236}">
+                <a16:creationId xmlns:a16="http://schemas.microsoft.com/office/drawing/2014/main" id="{8328FAF4-4409-42C9-B1FA-7F925CBFEC11}"/>
+              </a:ext>
+            </a:extLst>
+          </p:cNvPr>
+          <p:cNvPicPr>
+            <a:picLocks noChangeAspect="1"/>
+          </p:cNvPicPr>
+          <p:nvPr/>
+        </p:nvPicPr>
+        <p:blipFill rotWithShape="1">
+          <a:blip r:embed="rId2"/>
+          <a:srcRect b="5966"/>
+          <a:stretch/>
+        </p:blipFill>
+        <p:spPr>
+          <a:xfrm>
+            <a:off x="4496129" y="1897063"/>
+            <a:ext cx="7391556" cy="3909735"/>
+          </a:xfrm>
+          <a:prstGeom prst="rect">
+            <a:avLst/>
+          </a:prstGeom>
+        </p:spPr>
+      </p:pic>
     </p:spTree>
     <p:extLst>
       <p:ext uri="{BB962C8B-B14F-4D97-AF65-F5344CB8AC3E}">
-        <p14:creationId xmlns:p14="http://schemas.microsoft.com/office/powerpoint/2010/main" val="2438216596"/>
+        <p14:creationId xmlns:p14="http://schemas.microsoft.com/office/powerpoint/2010/main" val="4000417494"/>
       </p:ext>
     </p:extLst>
   </p:cSld>
   <p:clrMapOvr>
     <a:masterClrMapping/>
   </p:clrMapOvr>
-  <p:timing>
-    <p:tnLst>
-      <p:par>
-        <p:cTn id="1" dur="indefinite" restart="never" nodeType="tmRoot"/>
-      </p:par>
-    </p:tnLst>
-  </p:timing>
 </p:sld>
 </file>
 
-<file path=ppt/slides/slide15.xml><?xml version="1.0" encoding="utf-8"?>
+<file path=ppt/slides/slide16.xml><?xml version="1.0" encoding="utf-8"?>
+<p:sld xmlns:a="http://schemas.openxmlformats.org/drawingml/2006/main" xmlns:r="http://schemas.openxmlformats.org/officeDocument/2006/relationships" xmlns:p="http://schemas.openxmlformats.org/presentationml/2006/main">
+  <p:cSld>
+    <p:spTree>
+      <p:nvGrpSpPr>
+        <p:cNvPr id="1" name=""/>
+        <p:cNvGrpSpPr/>
+        <p:nvPr/>
+      </p:nvGrpSpPr>
+      <p:grpSpPr>
+        <a:xfrm>
+          <a:off x="0" y="0"/>
+          <a:ext cx="0" cy="0"/>
+          <a:chOff x="0" y="0"/>
+          <a:chExt cx="0" cy="0"/>
+        </a:xfrm>
+      </p:grpSpPr>
+      <p:sp>
+        <p:nvSpPr>
+          <p:cNvPr id="2" name="Заголовок 1">
+            <a:extLst>
+              <a:ext uri="{FF2B5EF4-FFF2-40B4-BE49-F238E27FC236}">
+                <a16:creationId xmlns:a16="http://schemas.microsoft.com/office/drawing/2014/main" id="{3633F2C7-1647-43CF-B847-FAACF39F2CCD}"/>
+              </a:ext>
+            </a:extLst>
+          </p:cNvPr>
+          <p:cNvSpPr>
+            <a:spLocks noGrp="1"/>
+          </p:cNvSpPr>
+          <p:nvPr>
+            <p:ph type="title"/>
+          </p:nvPr>
+        </p:nvSpPr>
+        <p:spPr/>
+        <p:txBody>
+          <a:bodyPr/>
+          <a:lstStyle/>
+          <a:p>
+            <a:r>
+              <a:rPr lang="ru-RU" dirty="0"/>
+              <a:t>Проблемы, которые мы встретили</a:t>
+            </a:r>
+          </a:p>
+        </p:txBody>
+      </p:sp>
+      <p:pic>
+        <p:nvPicPr>
+          <p:cNvPr id="3074" name="Picture 2" descr="https://pp.userapi.com/c848616/v848616508/1de665/ueLZdE47-YA.jpg">
+            <a:extLst>
+              <a:ext uri="{FF2B5EF4-FFF2-40B4-BE49-F238E27FC236}">
+                <a16:creationId xmlns:a16="http://schemas.microsoft.com/office/drawing/2014/main" id="{77E8F2BC-C22A-4A4C-A6D1-EB2CD7E895C3}"/>
+              </a:ext>
+            </a:extLst>
+          </p:cNvPr>
+          <p:cNvPicPr>
+            <a:picLocks noChangeAspect="1" noChangeArrowheads="1"/>
+          </p:cNvPicPr>
+          <p:nvPr/>
+        </p:nvPicPr>
+        <p:blipFill>
+          <a:blip r:embed="rId2">
+            <a:extLst>
+              <a:ext uri="{28A0092B-C50C-407E-A947-70E740481C1C}">
+                <a14:useLocalDpi xmlns:a14="http://schemas.microsoft.com/office/drawing/2010/main" val="0"/>
+              </a:ext>
+            </a:extLst>
+          </a:blip>
+          <a:srcRect/>
+          <a:stretch>
+            <a:fillRect/>
+          </a:stretch>
+        </p:blipFill>
+        <p:spPr bwMode="auto">
+          <a:xfrm>
+            <a:off x="5113904" y="2950900"/>
+            <a:ext cx="4106296" cy="1116275"/>
+          </a:xfrm>
+          <a:prstGeom prst="rect">
+            <a:avLst/>
+          </a:prstGeom>
+          <a:noFill/>
+          <a:extLst>
+            <a:ext uri="{909E8E84-426E-40DD-AFC4-6F175D3DCCD1}">
+              <a14:hiddenFill xmlns:a14="http://schemas.microsoft.com/office/drawing/2010/main">
+                <a:solidFill>
+                  <a:srgbClr val="FFFFFF"/>
+                </a:solidFill>
+              </a14:hiddenFill>
+            </a:ext>
+          </a:extLst>
+        </p:spPr>
+      </p:pic>
+      <p:pic>
+        <p:nvPicPr>
+          <p:cNvPr id="3076" name="Picture 4" descr="https://pp.userapi.com/c848616/v848616508/1de65e/FoutAY49tmQ.jpg">
+            <a:extLst>
+              <a:ext uri="{FF2B5EF4-FFF2-40B4-BE49-F238E27FC236}">
+                <a16:creationId xmlns:a16="http://schemas.microsoft.com/office/drawing/2014/main" id="{B248DAE8-B298-46DC-AF40-AD46822D13AC}"/>
+              </a:ext>
+            </a:extLst>
+          </p:cNvPr>
+          <p:cNvPicPr>
+            <a:picLocks noChangeAspect="1" noChangeArrowheads="1"/>
+          </p:cNvPicPr>
+          <p:nvPr/>
+        </p:nvPicPr>
+        <p:blipFill>
+          <a:blip r:embed="rId3">
+            <a:extLst>
+              <a:ext uri="{28A0092B-C50C-407E-A947-70E740481C1C}">
+                <a14:useLocalDpi xmlns:a14="http://schemas.microsoft.com/office/drawing/2010/main" val="0"/>
+              </a:ext>
+            </a:extLst>
+          </a:blip>
+          <a:srcRect/>
+          <a:stretch>
+            <a:fillRect/>
+          </a:stretch>
+        </p:blipFill>
+        <p:spPr bwMode="auto">
+          <a:xfrm>
+            <a:off x="5112883" y="2476499"/>
+            <a:ext cx="5572125" cy="342900"/>
+          </a:xfrm>
+          <a:prstGeom prst="rect">
+            <a:avLst/>
+          </a:prstGeom>
+          <a:noFill/>
+          <a:extLst>
+            <a:ext uri="{909E8E84-426E-40DD-AFC4-6F175D3DCCD1}">
+              <a14:hiddenFill xmlns:a14="http://schemas.microsoft.com/office/drawing/2010/main">
+                <a:solidFill>
+                  <a:srgbClr val="FFFFFF"/>
+                </a:solidFill>
+              </a14:hiddenFill>
+            </a:ext>
+          </a:extLst>
+        </p:spPr>
+      </p:pic>
+      <p:pic>
+        <p:nvPicPr>
+          <p:cNvPr id="3078" name="Picture 6" descr="https://pp.userapi.com/c849028/v849028290/1e046a/tZZgpHDdw8c.jpg">
+            <a:extLst>
+              <a:ext uri="{FF2B5EF4-FFF2-40B4-BE49-F238E27FC236}">
+                <a16:creationId xmlns:a16="http://schemas.microsoft.com/office/drawing/2014/main" id="{93859EC4-8E63-4BB7-B3C8-0CBD60B6E1A4}"/>
+              </a:ext>
+            </a:extLst>
+          </p:cNvPr>
+          <p:cNvPicPr>
+            <a:picLocks noChangeAspect="1" noChangeArrowheads="1"/>
+          </p:cNvPicPr>
+          <p:nvPr/>
+        </p:nvPicPr>
+        <p:blipFill>
+          <a:blip r:embed="rId4">
+            <a:extLst>
+              <a:ext uri="{28A0092B-C50C-407E-A947-70E740481C1C}">
+                <a14:useLocalDpi xmlns:a14="http://schemas.microsoft.com/office/drawing/2010/main" val="0"/>
+              </a:ext>
+            </a:extLst>
+          </a:blip>
+          <a:srcRect/>
+          <a:stretch>
+            <a:fillRect/>
+          </a:stretch>
+        </p:blipFill>
+        <p:spPr bwMode="auto">
+          <a:xfrm>
+            <a:off x="5113904" y="4038601"/>
+            <a:ext cx="5571104" cy="1300647"/>
+          </a:xfrm>
+          <a:prstGeom prst="rect">
+            <a:avLst/>
+          </a:prstGeom>
+          <a:noFill/>
+          <a:extLst>
+            <a:ext uri="{909E8E84-426E-40DD-AFC4-6F175D3DCCD1}">
+              <a14:hiddenFill xmlns:a14="http://schemas.microsoft.com/office/drawing/2010/main">
+                <a:solidFill>
+                  <a:srgbClr val="FFFFFF"/>
+                </a:solidFill>
+              </a14:hiddenFill>
+            </a:ext>
+          </a:extLst>
+        </p:spPr>
+      </p:pic>
+    </p:spTree>
+    <p:extLst>
+      <p:ext uri="{BB962C8B-B14F-4D97-AF65-F5344CB8AC3E}">
+        <p14:creationId xmlns:p14="http://schemas.microsoft.com/office/powerpoint/2010/main" val="2019531817"/>
+      </p:ext>
+    </p:extLst>
+  </p:cSld>
+  <p:clrMapOvr>
+    <a:masterClrMapping/>
+  </p:clrMapOvr>
+</p:sld>
+</file>
+
+<file path=ppt/slides/slide17.xml><?xml version="1.0" encoding="utf-8"?>
+<p:sld xmlns:a="http://schemas.openxmlformats.org/drawingml/2006/main" xmlns:r="http://schemas.openxmlformats.org/officeDocument/2006/relationships" xmlns:p="http://schemas.openxmlformats.org/presentationml/2006/main">
+  <p:cSld>
+    <p:spTree>
+      <p:nvGrpSpPr>
+        <p:cNvPr id="1" name=""/>
+        <p:cNvGrpSpPr/>
+        <p:nvPr/>
+      </p:nvGrpSpPr>
+      <p:grpSpPr>
+        <a:xfrm>
+          <a:off x="0" y="0"/>
+          <a:ext cx="0" cy="0"/>
+          <a:chOff x="0" y="0"/>
+          <a:chExt cx="0" cy="0"/>
+        </a:xfrm>
+      </p:grpSpPr>
+      <p:sp>
+        <p:nvSpPr>
+          <p:cNvPr id="2" name="Заголовок 1">
+            <a:extLst>
+              <a:ext uri="{FF2B5EF4-FFF2-40B4-BE49-F238E27FC236}">
+                <a16:creationId xmlns:a16="http://schemas.microsoft.com/office/drawing/2014/main" id="{92EED1A1-F655-4ECD-A630-517F4AF6921E}"/>
+              </a:ext>
+            </a:extLst>
+          </p:cNvPr>
+          <p:cNvSpPr>
+            <a:spLocks noGrp="1"/>
+          </p:cNvSpPr>
+          <p:nvPr>
+            <p:ph type="title"/>
+          </p:nvPr>
+        </p:nvSpPr>
+        <p:spPr/>
+        <p:txBody>
+          <a:bodyPr/>
+          <a:lstStyle/>
+          <a:p>
+            <a:r>
+              <a:rPr lang="ru-RU" dirty="0"/>
+              <a:t>Ваши вопросы</a:t>
+            </a:r>
+          </a:p>
+        </p:txBody>
+      </p:sp>
+      <p:sp>
+        <p:nvSpPr>
+          <p:cNvPr id="3" name="Текст 2">
+            <a:extLst>
+              <a:ext uri="{FF2B5EF4-FFF2-40B4-BE49-F238E27FC236}">
+                <a16:creationId xmlns:a16="http://schemas.microsoft.com/office/drawing/2014/main" id="{0F44B72B-EA2F-4C77-9423-58FDEA74CBD3}"/>
+              </a:ext>
+            </a:extLst>
+          </p:cNvPr>
+          <p:cNvSpPr>
+            <a:spLocks noGrp="1"/>
+          </p:cNvSpPr>
+          <p:nvPr>
+            <p:ph type="body" idx="1"/>
+          </p:nvPr>
+        </p:nvSpPr>
+        <p:spPr/>
+        <p:txBody>
+          <a:bodyPr/>
+          <a:lstStyle/>
+          <a:p>
+            <a:endParaRPr lang="ru-RU"/>
+          </a:p>
+        </p:txBody>
+      </p:sp>
+    </p:spTree>
+    <p:extLst>
+      <p:ext uri="{BB962C8B-B14F-4D97-AF65-F5344CB8AC3E}">
+        <p14:creationId xmlns:p14="http://schemas.microsoft.com/office/powerpoint/2010/main" val="3611130589"/>
+      </p:ext>
+    </p:extLst>
+  </p:cSld>
+  <p:clrMapOvr>
+    <a:masterClrMapping/>
+  </p:clrMapOvr>
+</p:sld>
+</file>
+
+<file path=ppt/slides/slide18.xml><?xml version="1.0" encoding="utf-8"?>
 <p:sld xmlns:a="http://schemas.openxmlformats.org/drawingml/2006/main" xmlns:r="http://schemas.openxmlformats.org/officeDocument/2006/relationships" xmlns:p="http://schemas.openxmlformats.org/presentationml/2006/main">
   <p:cSld>
     <p:spTree>
@@ -16853,10 +17396,9 @@
           <a:lstStyle/>
           <a:p>
             <a:r>
-              <a:rPr lang="ru-RU" sz="7200" dirty="0" smtClean="0"/>
+              <a:rPr lang="ru-RU" sz="7200" dirty="0"/>
               <a:t>Спасибо за внимание!</a:t>
             </a:r>
-            <a:endParaRPr lang="ru-RU" sz="7200" dirty="0"/>
           </a:p>
         </p:txBody>
       </p:sp>
@@ -16870,13 +17412,6 @@
   <p:clrMapOvr>
     <a:masterClrMapping/>
   </p:clrMapOvr>
-  <p:timing>
-    <p:tnLst>
-      <p:par>
-        <p:cTn id="1" dur="indefinite" restart="never" nodeType="tmRoot"/>
-      </p:par>
-    </p:tnLst>
-  </p:timing>
 </p:sld>
 </file>
 
@@ -16915,10 +17450,9 @@
           <a:lstStyle/>
           <a:p>
             <a:r>
-              <a:rPr lang="ru-RU" sz="4800" dirty="0" smtClean="0"/>
+              <a:rPr lang="ru-RU" sz="4800" dirty="0"/>
               <a:t>Цели мастерской</a:t>
             </a:r>
-            <a:endParaRPr lang="ru-RU" sz="4800" dirty="0"/>
           </a:p>
         </p:txBody>
       </p:sp>
@@ -16948,11 +17482,11 @@
               <a:buAutoNum type="arabicPeriod"/>
             </a:pPr>
             <a:r>
-              <a:rPr lang="ru-RU" sz="3200" dirty="0" smtClean="0"/>
+              <a:rPr lang="ru-RU" sz="3200" dirty="0"/>
               <a:t>Обучение языку </a:t>
             </a:r>
             <a:r>
-              <a:rPr lang="ru-RU" sz="3200" dirty="0" smtClean="0">
+              <a:rPr lang="ru-RU" sz="3200" dirty="0">
                 <a:latin typeface="Times New Roman" panose="02020603050405020304" pitchFamily="18" charset="0"/>
                 <a:cs typeface="Times New Roman" panose="02020603050405020304" pitchFamily="18" charset="0"/>
               </a:rPr>
@@ -16967,14 +17501,11 @@
               <a:buAutoNum type="arabicPeriod"/>
             </a:pPr>
             <a:r>
-              <a:rPr lang="ru-RU" sz="3200" dirty="0" smtClean="0">
+              <a:rPr lang="ru-RU" sz="3200" dirty="0">
                 <a:cs typeface="Times New Roman" panose="02020603050405020304" pitchFamily="18" charset="0"/>
               </a:rPr>
               <a:t>Создание архиватора</a:t>
             </a:r>
-            <a:endParaRPr lang="ru-RU" sz="3200" dirty="0">
-              <a:cs typeface="Times New Roman" panose="02020603050405020304" pitchFamily="18" charset="0"/>
-            </a:endParaRPr>
           </a:p>
         </p:txBody>
       </p:sp>
@@ -17027,13 +17558,6 @@
   <p:clrMapOvr>
     <a:masterClrMapping/>
   </p:clrMapOvr>
-  <p:timing>
-    <p:tnLst>
-      <p:par>
-        <p:cTn id="1" dur="indefinite" restart="never" nodeType="tmRoot"/>
-      </p:par>
-    </p:tnLst>
-  </p:timing>
 </p:sld>
 </file>
 
@@ -17072,10 +17596,9 @@
           <a:lstStyle/>
           <a:p>
             <a:r>
-              <a:rPr lang="ru-RU" sz="4800" dirty="0" smtClean="0"/>
+              <a:rPr lang="ru-RU" sz="4800" dirty="0"/>
               <a:t>Наши начальные знания</a:t>
             </a:r>
-            <a:endParaRPr lang="ru-RU" sz="4800" dirty="0"/>
           </a:p>
         </p:txBody>
       </p:sp>
@@ -17102,18 +17625,17 @@
           <a:lstStyle/>
           <a:p>
             <a:r>
-              <a:rPr lang="ru-RU" sz="2800" dirty="0" smtClean="0"/>
+              <a:rPr lang="ru-RU" sz="2800" dirty="0"/>
               <a:t>До этого мы сталкивались только  с языками </a:t>
             </a:r>
             <a:r>
-              <a:rPr lang="en-US" sz="2800" dirty="0" smtClean="0"/>
-              <a:t>python, scratch, </a:t>
+              <a:rPr lang="en-US" sz="2800" dirty="0"/>
+              <a:t>python, scratch, logo</a:t>
             </a:r>
             <a:r>
-              <a:rPr lang="ru-RU" sz="2800" dirty="0" smtClean="0"/>
-              <a:t>лого.</a:t>
+              <a:rPr lang="ru-RU" sz="2800" dirty="0"/>
+              <a:t>.</a:t>
             </a:r>
-            <a:endParaRPr lang="ru-RU" sz="2800" dirty="0"/>
           </a:p>
         </p:txBody>
       </p:sp>
@@ -17278,13 +17800,6 @@
   <p:clrMapOvr>
     <a:masterClrMapping/>
   </p:clrMapOvr>
-  <p:timing>
-    <p:tnLst>
-      <p:par>
-        <p:cTn id="1" dur="indefinite" restart="never" nodeType="tmRoot"/>
-      </p:par>
-    </p:tnLst>
-  </p:timing>
 </p:sld>
 </file>
 
@@ -17323,10 +17838,9 @@
           <a:lstStyle/>
           <a:p>
             <a:r>
-              <a:rPr lang="ru-RU" sz="4800" dirty="0" smtClean="0"/>
+              <a:rPr lang="ru-RU" sz="4800" dirty="0"/>
               <a:t>Обучение в мастерской</a:t>
             </a:r>
-            <a:endParaRPr lang="ru-RU" sz="4800" dirty="0"/>
           </a:p>
         </p:txBody>
       </p:sp>
@@ -17348,18 +17862,17 @@
           <a:lstStyle/>
           <a:p>
             <a:r>
-              <a:rPr lang="ru-RU" sz="2800" dirty="0" smtClean="0"/>
-              <a:t>За время обучения в мастерской мы узнали как делать на С такие вещи как: цикл, ветвления, переменные, функция, рекурсия, указатели, массивы</a:t>
+              <a:rPr lang="ru-RU" sz="2800" dirty="0"/>
+              <a:t>За время обучения в мастерской мы научились делать такие вещи как: цикл, ветвления, переменные, функция, рекурсия, указатели, массивы, списки, деревья, работа с файлами в языке </a:t>
+            </a:r>
+            <a:r>
+              <a:rPr lang="en-US" sz="2800" dirty="0"/>
+              <a:t>C</a:t>
             </a:r>
             <a:r>
               <a:rPr lang="ru-RU" sz="2800" dirty="0"/>
-              <a:t>, </a:t>
+              <a:t>.</a:t>
             </a:r>
-            <a:r>
-              <a:rPr lang="ru-RU" sz="2800" dirty="0" smtClean="0"/>
-              <a:t>списки, деревья, работа с файлами.</a:t>
-            </a:r>
-            <a:endParaRPr lang="ru-RU" sz="2800" dirty="0"/>
           </a:p>
         </p:txBody>
       </p:sp>
@@ -17373,13 +17886,6 @@
   <p:clrMapOvr>
     <a:masterClrMapping/>
   </p:clrMapOvr>
-  <p:timing>
-    <p:tnLst>
-      <p:par>
-        <p:cTn id="1" dur="indefinite" restart="never" nodeType="tmRoot"/>
-      </p:par>
-    </p:tnLst>
-  </p:timing>
 </p:sld>
 </file>
 
@@ -17419,13 +17925,8 @@
           <a:p>
             <a:r>
               <a:rPr lang="ru-RU" dirty="0"/>
-              <a:t>Ну а теперь, пару слов о нашем </a:t>
+              <a:t>Ну, а теперь, пару слов о нашем проекте</a:t>
             </a:r>
-            <a:r>
-              <a:rPr lang="ru-RU" dirty="0" smtClean="0"/>
-              <a:t>проекте</a:t>
-            </a:r>
-            <a:endParaRPr lang="ru-RU" dirty="0"/>
           </a:p>
         </p:txBody>
       </p:sp>
@@ -17452,10 +17953,10 @@
           <a:lstStyle/>
           <a:p>
             <a:r>
-              <a:rPr lang="ru-RU" sz="2800" dirty="0" smtClean="0"/>
-              <a:t>Наш проект – это архиватор по алгоритму Хаффмана. Вообще, архиватор – это программа для сжимания файлов. Архиваторы бывают разные: файловые, программные и дисковые. </a:t>
+              <a:rPr lang="ru-RU" sz="2800" dirty="0"/>
+              <a:t>Наш проект – это архиватор по алгоритму Хаффмана. Вообще, архиватор – это программа для сжатия файлов.</a:t>
             </a:r>
-            <a:endParaRPr lang="ru-RU" sz="2000" dirty="0" smtClean="0"/>
+            <a:endParaRPr lang="ru-RU" sz="2000" dirty="0"/>
           </a:p>
         </p:txBody>
       </p:sp>
@@ -17559,13 +18060,6 @@
   <p:clrMapOvr>
     <a:masterClrMapping/>
   </p:clrMapOvr>
-  <p:timing>
-    <p:tnLst>
-      <p:par>
-        <p:cTn id="1" dur="indefinite" restart="never" nodeType="tmRoot"/>
-      </p:par>
-    </p:tnLst>
-  </p:timing>
 </p:sld>
 </file>
 
@@ -17609,12 +18103,8 @@
           <a:lstStyle/>
           <a:p>
             <a:r>
-              <a:rPr lang="ru-RU" sz="6000" dirty="0" smtClean="0"/>
-              <a:t>Алгоритм </a:t>
-            </a:r>
-            <a:r>
               <a:rPr lang="ru-RU" sz="6000" dirty="0"/>
-              <a:t>Хаффмана</a:t>
+              <a:t>Алгоритм Хаффмана</a:t>
             </a:r>
           </a:p>
         </p:txBody>
@@ -17629,13 +18119,6 @@
   <p:clrMapOvr>
     <a:masterClrMapping/>
   </p:clrMapOvr>
-  <p:timing>
-    <p:tnLst>
-      <p:par>
-        <p:cTn id="1" dur="indefinite" restart="never" nodeType="tmRoot"/>
-      </p:par>
-    </p:tnLst>
-  </p:timing>
 </p:sld>
 </file>
 
@@ -17677,10 +18160,9 @@
           <a:lstStyle/>
           <a:p>
             <a:r>
-              <a:rPr lang="ru-RU" sz="6000" dirty="0" smtClean="0"/>
+              <a:rPr lang="ru-RU" sz="6000" dirty="0"/>
               <a:t>Подсчёт частот</a:t>
             </a:r>
-            <a:endParaRPr lang="ru-RU" sz="6000" dirty="0"/>
           </a:p>
         </p:txBody>
       </p:sp>
@@ -17774,10 +18256,9 @@
                     <a:lstStyle/>
                     <a:p>
                       <a:r>
-                        <a:rPr lang="ru-RU" sz="2800" dirty="0" smtClean="0"/>
+                        <a:rPr lang="ru-RU" sz="2800" dirty="0"/>
                         <a:t>Буква</a:t>
                       </a:r>
-                      <a:endParaRPr lang="ru-RU" sz="2800" dirty="0"/>
                     </a:p>
                   </a:txBody>
                   <a:tcPr/>
@@ -17788,10 +18269,9 @@
                     <a:lstStyle/>
                     <a:p>
                       <a:r>
-                        <a:rPr lang="ru-RU" sz="2800" dirty="0" smtClean="0"/>
+                        <a:rPr lang="ru-RU" sz="2800" dirty="0"/>
                         <a:t>Частота</a:t>
                       </a:r>
-                      <a:endParaRPr lang="ru-RU" sz="2800" dirty="0"/>
                     </a:p>
                   </a:txBody>
                   <a:tcPr/>
@@ -17809,10 +18289,9 @@
                     <a:lstStyle/>
                     <a:p>
                       <a:r>
-                        <a:rPr lang="ru-RU" sz="2800" dirty="0" smtClean="0"/>
+                        <a:rPr lang="ru-RU" sz="2800" dirty="0"/>
                         <a:t>ш</a:t>
                       </a:r>
-                      <a:endParaRPr lang="ru-RU" sz="2800" dirty="0"/>
                     </a:p>
                   </a:txBody>
                   <a:tcPr/>
@@ -17823,10 +18302,9 @@
                     <a:lstStyle/>
                     <a:p>
                       <a:r>
-                        <a:rPr lang="ru-RU" sz="2800" dirty="0" smtClean="0"/>
+                        <a:rPr lang="ru-RU" sz="2800" dirty="0"/>
                         <a:t>2</a:t>
                       </a:r>
-                      <a:endParaRPr lang="ru-RU" sz="2800" dirty="0"/>
                     </a:p>
                   </a:txBody>
                   <a:tcPr/>
@@ -17844,10 +18322,9 @@
                     <a:lstStyle/>
                     <a:p>
                       <a:r>
-                        <a:rPr lang="ru-RU" sz="2800" dirty="0" smtClean="0"/>
+                        <a:rPr lang="ru-RU" sz="2800" dirty="0"/>
                         <a:t>а</a:t>
                       </a:r>
-                      <a:endParaRPr lang="ru-RU" sz="2800" dirty="0"/>
                     </a:p>
                   </a:txBody>
                   <a:tcPr/>
@@ -17858,10 +18335,9 @@
                     <a:lstStyle/>
                     <a:p>
                       <a:r>
-                        <a:rPr lang="ru-RU" sz="2800" dirty="0" smtClean="0"/>
+                        <a:rPr lang="ru-RU" sz="2800" dirty="0"/>
                         <a:t>2</a:t>
                       </a:r>
-                      <a:endParaRPr lang="ru-RU" sz="2800" dirty="0"/>
                     </a:p>
                   </a:txBody>
                   <a:tcPr/>
@@ -17879,10 +18355,9 @@
                     <a:lstStyle/>
                     <a:p>
                       <a:r>
-                        <a:rPr lang="ru-RU" sz="2800" dirty="0" smtClean="0"/>
+                        <a:rPr lang="ru-RU" sz="2800" dirty="0"/>
                         <a:t>л</a:t>
                       </a:r>
-                      <a:endParaRPr lang="ru-RU" sz="2800" dirty="0"/>
                     </a:p>
                   </a:txBody>
                   <a:tcPr/>
@@ -17893,10 +18368,9 @@
                     <a:lstStyle/>
                     <a:p>
                       <a:r>
-                        <a:rPr lang="ru-RU" sz="2800" dirty="0" smtClean="0"/>
+                        <a:rPr lang="ru-RU" sz="2800" dirty="0"/>
                         <a:t>1</a:t>
                       </a:r>
-                      <a:endParaRPr lang="ru-RU" sz="2800" dirty="0"/>
                     </a:p>
                   </a:txBody>
                   <a:tcPr/>
@@ -17921,13 +18395,6 @@
   <p:clrMapOvr>
     <a:masterClrMapping/>
   </p:clrMapOvr>
-  <p:timing>
-    <p:tnLst>
-      <p:par>
-        <p:cTn id="1" dur="indefinite" restart="never" nodeType="tmRoot"/>
-      </p:par>
-    </p:tnLst>
-  </p:timing>
 </p:sld>
 </file>
 
@@ -17969,10 +18436,9 @@
           <a:lstStyle/>
           <a:p>
             <a:r>
-              <a:rPr lang="ru-RU" sz="6000" dirty="0" smtClean="0"/>
+              <a:rPr lang="ru-RU" sz="6000" dirty="0"/>
               <a:t>Создание дерева</a:t>
             </a:r>
-            <a:endParaRPr lang="ru-RU" sz="6000" dirty="0"/>
           </a:p>
         </p:txBody>
       </p:sp>
@@ -18017,14 +18483,13 @@
               <a:t>ш</a:t>
             </a:r>
             <a:r>
-              <a:rPr lang="en-US" dirty="0" smtClean="0"/>
+              <a:rPr lang="en-US" dirty="0"/>
               <a:t> </a:t>
             </a:r>
             <a:r>
-              <a:rPr lang="ru-RU" dirty="0" smtClean="0"/>
+              <a:rPr lang="ru-RU" dirty="0"/>
               <a:t>2</a:t>
             </a:r>
-            <a:endParaRPr lang="ru-RU" dirty="0"/>
           </a:p>
         </p:txBody>
       </p:sp>
@@ -18065,10 +18530,9 @@
           <a:p>
             <a:pPr algn="ctr"/>
             <a:r>
-              <a:rPr lang="ru-RU" dirty="0" smtClean="0"/>
+              <a:rPr lang="ru-RU" dirty="0"/>
               <a:t>Л 1</a:t>
             </a:r>
-            <a:endParaRPr lang="ru-RU" dirty="0"/>
           </a:p>
         </p:txBody>
       </p:sp>
@@ -18113,14 +18577,13 @@
               <a:t>а</a:t>
             </a:r>
             <a:r>
-              <a:rPr lang="en-US" dirty="0" smtClean="0"/>
+              <a:rPr lang="en-US" dirty="0"/>
               <a:t> </a:t>
             </a:r>
             <a:r>
-              <a:rPr lang="ru-RU" dirty="0" smtClean="0"/>
+              <a:rPr lang="ru-RU" dirty="0"/>
               <a:t>2</a:t>
             </a:r>
-            <a:endParaRPr lang="ru-RU" dirty="0"/>
           </a:p>
         </p:txBody>
       </p:sp>
@@ -18147,14 +18610,13 @@
           <a:lstStyle/>
           <a:p>
             <a:r>
-              <a:rPr lang="ru-RU" sz="3200" dirty="0" smtClean="0"/>
+              <a:rPr lang="ru-RU" sz="3200" dirty="0"/>
               <a:t>Это частоты встречаемости букв в тексте</a:t>
             </a:r>
             <a:r>
-              <a:rPr lang="ru-RU" dirty="0" smtClean="0"/>
+              <a:rPr lang="ru-RU" dirty="0"/>
               <a:t>:</a:t>
             </a:r>
-            <a:endParaRPr lang="ru-RU" dirty="0"/>
           </a:p>
         </p:txBody>
       </p:sp>
@@ -18168,13 +18630,6 @@
   <p:clrMapOvr>
     <a:masterClrMapping/>
   </p:clrMapOvr>
-  <p:timing>
-    <p:tnLst>
-      <p:par>
-        <p:cTn id="1" dur="indefinite" restart="never" nodeType="tmRoot"/>
-      </p:par>
-    </p:tnLst>
-  </p:timing>
 </p:sld>
 </file>
 
@@ -18216,10 +18671,9 @@
           <a:lstStyle/>
           <a:p>
             <a:r>
-              <a:rPr lang="ru-RU" sz="6000" dirty="0" smtClean="0"/>
+              <a:rPr lang="ru-RU" sz="6000" dirty="0"/>
               <a:t>Создание дерева</a:t>
             </a:r>
-            <a:endParaRPr lang="ru-RU" sz="6000" dirty="0"/>
           </a:p>
         </p:txBody>
       </p:sp>
@@ -18264,14 +18718,13 @@
               <a:t>ш</a:t>
             </a:r>
             <a:r>
-              <a:rPr lang="en-US" dirty="0" smtClean="0"/>
+              <a:rPr lang="en-US" dirty="0"/>
               <a:t> </a:t>
             </a:r>
             <a:r>
-              <a:rPr lang="ru-RU" dirty="0" smtClean="0"/>
+              <a:rPr lang="ru-RU" dirty="0"/>
               <a:t>2</a:t>
             </a:r>
-            <a:endParaRPr lang="ru-RU" dirty="0"/>
           </a:p>
         </p:txBody>
       </p:sp>
@@ -18312,10 +18765,9 @@
           <a:p>
             <a:pPr algn="ctr"/>
             <a:r>
-              <a:rPr lang="ru-RU" dirty="0" smtClean="0"/>
+              <a:rPr lang="ru-RU" dirty="0"/>
               <a:t>Л 1</a:t>
             </a:r>
-            <a:endParaRPr lang="ru-RU" dirty="0"/>
           </a:p>
         </p:txBody>
       </p:sp>
@@ -18360,14 +18812,13 @@
               <a:t>а</a:t>
             </a:r>
             <a:r>
-              <a:rPr lang="en-US" dirty="0" smtClean="0"/>
+              <a:rPr lang="en-US" dirty="0"/>
               <a:t> </a:t>
             </a:r>
             <a:r>
-              <a:rPr lang="ru-RU" dirty="0" smtClean="0"/>
+              <a:rPr lang="ru-RU" dirty="0"/>
               <a:t>2</a:t>
             </a:r>
-            <a:endParaRPr lang="ru-RU" dirty="0"/>
           </a:p>
         </p:txBody>
       </p:sp>
@@ -18394,10 +18845,9 @@
           <a:lstStyle/>
           <a:p>
             <a:r>
-              <a:rPr lang="ru-RU" sz="3200" dirty="0" smtClean="0"/>
+              <a:rPr lang="ru-RU" sz="3200" dirty="0"/>
               <a:t>Теперь складываем самые маленькие значения и образуем ветку дерева. Нумеруем левую ветку 0, а правую 1</a:t>
             </a:r>
-            <a:endParaRPr lang="ru-RU" sz="3200" dirty="0"/>
           </a:p>
         </p:txBody>
       </p:sp>
@@ -18442,14 +18892,13 @@
               <a:t>ш</a:t>
             </a:r>
             <a:r>
-              <a:rPr lang="en-US" dirty="0" smtClean="0"/>
+              <a:rPr lang="en-US" dirty="0"/>
               <a:t> </a:t>
             </a:r>
             <a:r>
-              <a:rPr lang="ru-RU" dirty="0" smtClean="0"/>
+              <a:rPr lang="ru-RU" dirty="0"/>
               <a:t>2</a:t>
             </a:r>
-            <a:endParaRPr lang="ru-RU" dirty="0"/>
           </a:p>
         </p:txBody>
       </p:sp>
@@ -18542,10 +18991,9 @@
           <a:lstStyle/>
           <a:p>
             <a:r>
-              <a:rPr lang="ru-RU" dirty="0" smtClean="0"/>
+              <a:rPr lang="ru-RU" dirty="0"/>
               <a:t>0</a:t>
             </a:r>
-            <a:endParaRPr lang="ru-RU" dirty="0"/>
           </a:p>
         </p:txBody>
       </p:sp>
@@ -18572,10 +19020,9 @@
           <a:lstStyle/>
           <a:p>
             <a:r>
-              <a:rPr lang="ru-RU" dirty="0" smtClean="0"/>
+              <a:rPr lang="ru-RU" dirty="0"/>
               <a:t>1</a:t>
             </a:r>
-            <a:endParaRPr lang="ru-RU" dirty="0"/>
           </a:p>
         </p:txBody>
       </p:sp>
@@ -18616,10 +19063,9 @@
           <a:p>
             <a:pPr algn="ctr"/>
             <a:r>
-              <a:rPr lang="ru-RU" dirty="0" smtClean="0"/>
+              <a:rPr lang="ru-RU" dirty="0"/>
               <a:t>Л 1</a:t>
             </a:r>
-            <a:endParaRPr lang="ru-RU" dirty="0"/>
           </a:p>
         </p:txBody>
       </p:sp>
@@ -18676,13 +19122,6 @@
   <p:clrMapOvr>
     <a:masterClrMapping/>
   </p:clrMapOvr>
-  <p:timing>
-    <p:tnLst>
-      <p:par>
-        <p:cTn id="1" dur="indefinite" restart="never" nodeType="tmRoot"/>
-      </p:par>
-    </p:tnLst>
-  </p:timing>
 </p:sld>
 </file>
 
